--- a/Desafío - Finalización del Proyecto/Desafío - Finalización del Proyecto.pptx
+++ b/Desafío - Finalización del Proyecto/Desafío - Finalización del Proyecto.pptx
@@ -113,6 +113,11 @@
       </a:defRPr>
     </a:lvl9pPr>
   </p:defaultTextStyle>
+  <p:extLst>
+    <p:ext uri="{EFAFB233-063F-42B5-8137-9DF3F51BA10A}">
+      <p15:sldGuideLst xmlns:p15="http://schemas.microsoft.com/office/powerpoint/2012/main"/>
+    </p:ext>
+  </p:extLst>
 </p:presentation>
 </file>
 
@@ -6560,14 +6565,273 @@
         </p:blipFill>
         <p:spPr>
           <a:xfrm>
-            <a:off x="2421809" y="3329794"/>
-            <a:ext cx="5102950" cy="3095499"/>
+            <a:off x="2279218" y="3486548"/>
+            <a:ext cx="4674958" cy="2835875"/>
           </a:xfrm>
           <a:prstGeom prst="rect">
             <a:avLst/>
           </a:prstGeom>
         </p:spPr>
       </p:pic>
+      <p:sp>
+        <p:nvSpPr>
+          <p:cNvPr id="10" name="Marcador de texto 7"/>
+          <p:cNvSpPr txBox="1">
+            <a:spLocks/>
+          </p:cNvSpPr>
+          <p:nvPr/>
+        </p:nvSpPr>
+        <p:spPr>
+          <a:xfrm>
+            <a:off x="5055326" y="2910286"/>
+            <a:ext cx="5995852" cy="366239"/>
+          </a:xfrm>
+          <a:prstGeom prst="rect">
+            <a:avLst/>
+          </a:prstGeom>
+        </p:spPr>
+        <p:txBody>
+          <a:bodyPr vert="horz" lIns="91440" tIns="45720" rIns="91440" bIns="45720" rtlCol="0" anchor="b">
+            <a:noAutofit/>
+          </a:bodyPr>
+          <a:lstStyle>
+            <a:lvl1pPr marL="0" indent="0" algn="l" defTabSz="457200" rtl="0" eaLnBrk="1" latinLnBrk="0" hangingPunct="1">
+              <a:spcBef>
+                <a:spcPts val="1000"/>
+              </a:spcBef>
+              <a:spcAft>
+                <a:spcPts val="0"/>
+              </a:spcAft>
+              <a:buClr>
+                <a:schemeClr val="accent1"/>
+              </a:buClr>
+              <a:buSzPct val="80000"/>
+              <a:buFont typeface="Wingdings 3" charset="2"/>
+              <a:buNone/>
+              <a:defRPr sz="2400" b="0" kern="1200">
+                <a:solidFill>
+                  <a:schemeClr val="tx1">
+                    <a:lumMod val="75000"/>
+                    <a:lumOff val="25000"/>
+                  </a:schemeClr>
+                </a:solidFill>
+                <a:latin typeface="+mn-lt"/>
+                <a:ea typeface="+mn-ea"/>
+                <a:cs typeface="+mn-cs"/>
+              </a:defRPr>
+            </a:lvl1pPr>
+            <a:lvl2pPr marL="457200" indent="0" algn="l" defTabSz="457200" rtl="0" eaLnBrk="1" latinLnBrk="0" hangingPunct="1">
+              <a:spcBef>
+                <a:spcPts val="1000"/>
+              </a:spcBef>
+              <a:spcAft>
+                <a:spcPts val="0"/>
+              </a:spcAft>
+              <a:buClr>
+                <a:schemeClr val="accent1"/>
+              </a:buClr>
+              <a:buSzPct val="80000"/>
+              <a:buFont typeface="Wingdings 3" charset="2"/>
+              <a:buNone/>
+              <a:defRPr sz="2000" b="1" kern="1200">
+                <a:solidFill>
+                  <a:schemeClr val="tx1">
+                    <a:lumMod val="75000"/>
+                    <a:lumOff val="25000"/>
+                  </a:schemeClr>
+                </a:solidFill>
+                <a:latin typeface="+mn-lt"/>
+                <a:ea typeface="+mn-ea"/>
+                <a:cs typeface="+mn-cs"/>
+              </a:defRPr>
+            </a:lvl2pPr>
+            <a:lvl3pPr marL="914400" indent="0" algn="l" defTabSz="457200" rtl="0" eaLnBrk="1" latinLnBrk="0" hangingPunct="1">
+              <a:spcBef>
+                <a:spcPts val="1000"/>
+              </a:spcBef>
+              <a:spcAft>
+                <a:spcPts val="0"/>
+              </a:spcAft>
+              <a:buClr>
+                <a:schemeClr val="accent1"/>
+              </a:buClr>
+              <a:buSzPct val="80000"/>
+              <a:buFont typeface="Wingdings 3" charset="2"/>
+              <a:buNone/>
+              <a:defRPr sz="1800" b="1" kern="1200">
+                <a:solidFill>
+                  <a:schemeClr val="tx1">
+                    <a:lumMod val="75000"/>
+                    <a:lumOff val="25000"/>
+                  </a:schemeClr>
+                </a:solidFill>
+                <a:latin typeface="+mn-lt"/>
+                <a:ea typeface="+mn-ea"/>
+                <a:cs typeface="+mn-cs"/>
+              </a:defRPr>
+            </a:lvl3pPr>
+            <a:lvl4pPr marL="1371600" indent="0" algn="l" defTabSz="457200" rtl="0" eaLnBrk="1" latinLnBrk="0" hangingPunct="1">
+              <a:spcBef>
+                <a:spcPts val="1000"/>
+              </a:spcBef>
+              <a:spcAft>
+                <a:spcPts val="0"/>
+              </a:spcAft>
+              <a:buClr>
+                <a:schemeClr val="accent1"/>
+              </a:buClr>
+              <a:buSzPct val="80000"/>
+              <a:buFont typeface="Wingdings 3" charset="2"/>
+              <a:buNone/>
+              <a:defRPr sz="1600" b="1" kern="1200">
+                <a:solidFill>
+                  <a:schemeClr val="tx1">
+                    <a:lumMod val="75000"/>
+                    <a:lumOff val="25000"/>
+                  </a:schemeClr>
+                </a:solidFill>
+                <a:latin typeface="+mn-lt"/>
+                <a:ea typeface="+mn-ea"/>
+                <a:cs typeface="+mn-cs"/>
+              </a:defRPr>
+            </a:lvl4pPr>
+            <a:lvl5pPr marL="1828800" indent="0" algn="l" defTabSz="457200" rtl="0" eaLnBrk="1" latinLnBrk="0" hangingPunct="1">
+              <a:spcBef>
+                <a:spcPts val="1000"/>
+              </a:spcBef>
+              <a:spcAft>
+                <a:spcPts val="0"/>
+              </a:spcAft>
+              <a:buClr>
+                <a:schemeClr val="accent1"/>
+              </a:buClr>
+              <a:buSzPct val="80000"/>
+              <a:buFont typeface="Wingdings 3" charset="2"/>
+              <a:buNone/>
+              <a:defRPr sz="1600" b="1" kern="1200">
+                <a:solidFill>
+                  <a:schemeClr val="tx1">
+                    <a:lumMod val="75000"/>
+                    <a:lumOff val="25000"/>
+                  </a:schemeClr>
+                </a:solidFill>
+                <a:latin typeface="+mn-lt"/>
+                <a:ea typeface="+mn-ea"/>
+                <a:cs typeface="+mn-cs"/>
+              </a:defRPr>
+            </a:lvl5pPr>
+            <a:lvl6pPr marL="2286000" indent="0" algn="l" defTabSz="457200" rtl="0" eaLnBrk="1" latinLnBrk="0" hangingPunct="1">
+              <a:spcBef>
+                <a:spcPts val="1000"/>
+              </a:spcBef>
+              <a:spcAft>
+                <a:spcPts val="0"/>
+              </a:spcAft>
+              <a:buClr>
+                <a:schemeClr val="accent1"/>
+              </a:buClr>
+              <a:buSzPct val="80000"/>
+              <a:buFont typeface="Wingdings 3" charset="2"/>
+              <a:buNone/>
+              <a:defRPr sz="1600" b="1" kern="1200">
+                <a:solidFill>
+                  <a:schemeClr val="tx1">
+                    <a:lumMod val="75000"/>
+                    <a:lumOff val="25000"/>
+                  </a:schemeClr>
+                </a:solidFill>
+                <a:latin typeface="+mn-lt"/>
+                <a:ea typeface="+mn-ea"/>
+                <a:cs typeface="+mn-cs"/>
+              </a:defRPr>
+            </a:lvl6pPr>
+            <a:lvl7pPr marL="2743200" indent="0" algn="l" defTabSz="457200" rtl="0" eaLnBrk="1" latinLnBrk="0" hangingPunct="1">
+              <a:spcBef>
+                <a:spcPts val="1000"/>
+              </a:spcBef>
+              <a:spcAft>
+                <a:spcPts val="0"/>
+              </a:spcAft>
+              <a:buClr>
+                <a:schemeClr val="accent1"/>
+              </a:buClr>
+              <a:buSzPct val="80000"/>
+              <a:buFont typeface="Wingdings 3" charset="2"/>
+              <a:buNone/>
+              <a:defRPr sz="1600" b="1" kern="1200">
+                <a:solidFill>
+                  <a:schemeClr val="tx1">
+                    <a:lumMod val="75000"/>
+                    <a:lumOff val="25000"/>
+                  </a:schemeClr>
+                </a:solidFill>
+                <a:latin typeface="+mn-lt"/>
+                <a:ea typeface="+mn-ea"/>
+                <a:cs typeface="+mn-cs"/>
+              </a:defRPr>
+            </a:lvl7pPr>
+            <a:lvl8pPr marL="3200400" indent="0" algn="l" defTabSz="457200" rtl="0" eaLnBrk="1" latinLnBrk="0" hangingPunct="1">
+              <a:spcBef>
+                <a:spcPts val="1000"/>
+              </a:spcBef>
+              <a:spcAft>
+                <a:spcPts val="0"/>
+              </a:spcAft>
+              <a:buClr>
+                <a:schemeClr val="accent1"/>
+              </a:buClr>
+              <a:buSzPct val="80000"/>
+              <a:buFont typeface="Wingdings 3" charset="2"/>
+              <a:buNone/>
+              <a:defRPr sz="1600" b="1" kern="1200">
+                <a:solidFill>
+                  <a:schemeClr val="tx1">
+                    <a:lumMod val="75000"/>
+                    <a:lumOff val="25000"/>
+                  </a:schemeClr>
+                </a:solidFill>
+                <a:latin typeface="+mn-lt"/>
+                <a:ea typeface="+mn-ea"/>
+                <a:cs typeface="+mn-cs"/>
+              </a:defRPr>
+            </a:lvl8pPr>
+            <a:lvl9pPr marL="3657600" indent="0" algn="l" defTabSz="457200" rtl="0" eaLnBrk="1" latinLnBrk="0" hangingPunct="1">
+              <a:spcBef>
+                <a:spcPts val="1000"/>
+              </a:spcBef>
+              <a:spcAft>
+                <a:spcPts val="0"/>
+              </a:spcAft>
+              <a:buClr>
+                <a:schemeClr val="accent1"/>
+              </a:buClr>
+              <a:buSzPct val="80000"/>
+              <a:buFont typeface="Wingdings 3" charset="2"/>
+              <a:buNone/>
+              <a:defRPr sz="1600" b="1" kern="1200">
+                <a:solidFill>
+                  <a:schemeClr val="tx1">
+                    <a:lumMod val="75000"/>
+                    <a:lumOff val="25000"/>
+                  </a:schemeClr>
+                </a:solidFill>
+                <a:latin typeface="+mn-lt"/>
+                <a:ea typeface="+mn-ea"/>
+                <a:cs typeface="+mn-cs"/>
+              </a:defRPr>
+            </a:lvl9pPr>
+          </a:lstStyle>
+          <a:p>
+            <a:r>
+              <a:rPr lang="es-ES" sz="1800" u="sng" dirty="0">
+                <a:hlinkClick r:id="rId3"/>
+              </a:rPr>
+              <a:t>https://lucas-angelo.github.io/portfolio</a:t>
+            </a:r>
+            <a:endParaRPr lang="en-US" sz="1800" dirty="0"/>
+          </a:p>
+        </p:txBody>
+      </p:sp>
     </p:spTree>
     <p:extLst>
       <p:ext uri="{BB962C8B-B14F-4D97-AF65-F5344CB8AC3E}">
